--- a/PPT/Python09-Inheritance.pptx
+++ b/PPT/Python09-Inheritance.pptx
@@ -614,35 +614,35 @@
           <a:p>
             <a:pPr lvl="0"/>
             <a:r>
-              <a:rPr lang="fr-FR" noProof="0" smtClean="0"/>
+              <a:rPr lang="fr-FR" noProof="0"/>
               <a:t>Cliquez pour modifier les styles du texte du masque</a:t>
             </a:r>
           </a:p>
           <a:p>
             <a:pPr lvl="1"/>
             <a:r>
-              <a:rPr lang="fr-FR" noProof="0" smtClean="0"/>
+              <a:rPr lang="fr-FR" noProof="0"/>
               <a:t>Deuxième niveau</a:t>
             </a:r>
           </a:p>
           <a:p>
             <a:pPr lvl="2"/>
             <a:r>
-              <a:rPr lang="fr-FR" noProof="0" smtClean="0"/>
+              <a:rPr lang="fr-FR" noProof="0"/>
               <a:t>Troisième niveau</a:t>
             </a:r>
           </a:p>
           <a:p>
             <a:pPr lvl="3"/>
             <a:r>
-              <a:rPr lang="fr-FR" noProof="0" smtClean="0"/>
+              <a:rPr lang="fr-FR" noProof="0"/>
               <a:t>Quatrième niveau</a:t>
             </a:r>
           </a:p>
           <a:p>
             <a:pPr lvl="4"/>
             <a:r>
-              <a:rPr lang="fr-FR" noProof="0" smtClean="0"/>
+              <a:rPr lang="fr-FR" noProof="0"/>
               <a:t>Cinquième niveau</a:t>
             </a:r>
           </a:p>
@@ -1071,7 +1071,7 @@
           <a:lstStyle/>
           <a:p>
             <a:pPr eaLnBrk="1" hangingPunct="1"/>
-            <a:endParaRPr lang="en-US" altLang="fr-FR" smtClean="0"/>
+            <a:endParaRPr lang="en-US" altLang="fr-FR"/>
           </a:p>
         </p:txBody>
       </p:sp>
@@ -1267,7 +1267,7 @@
           <a:lstStyle/>
           <a:p>
             <a:pPr eaLnBrk="1" hangingPunct="1"/>
-            <a:endParaRPr lang="en-US" altLang="fr-FR" smtClean="0"/>
+            <a:endParaRPr lang="en-US" altLang="fr-FR"/>
           </a:p>
         </p:txBody>
       </p:sp>
@@ -1285,6 +1285,130 @@
 </file>
 
 <file path=ppt/notesSlides/notesSlide3.xml><?xml version="1.0" encoding="utf-8"?>
+<p:notes xmlns:a="http://schemas.openxmlformats.org/drawingml/2006/main" xmlns:r="http://schemas.openxmlformats.org/officeDocument/2006/relationships" xmlns:p="http://schemas.openxmlformats.org/presentationml/2006/main">
+  <p:cSld>
+    <p:spTree>
+      <p:nvGrpSpPr>
+        <p:cNvPr id="1" name=""/>
+        <p:cNvGrpSpPr/>
+        <p:nvPr/>
+      </p:nvGrpSpPr>
+      <p:grpSpPr>
+        <a:xfrm>
+          <a:off x="0" y="0"/>
+          <a:ext cx="0" cy="0"/>
+          <a:chOff x="0" y="0"/>
+          <a:chExt cx="0" cy="0"/>
+        </a:xfrm>
+      </p:grpSpPr>
+      <p:sp>
+        <p:nvSpPr>
+          <p:cNvPr id="2" name="Espace réservé de l'image des diapositives 1"/>
+          <p:cNvSpPr>
+            <a:spLocks noGrp="1" noRot="1" noChangeAspect="1"/>
+          </p:cNvSpPr>
+          <p:nvPr>
+            <p:ph type="sldImg"/>
+          </p:nvPr>
+        </p:nvSpPr>
+        <p:spPr>
+          <a:xfrm>
+            <a:off x="877888" y="733425"/>
+            <a:ext cx="4892675" cy="3670300"/>
+          </a:xfrm>
+        </p:spPr>
+      </p:sp>
+      <p:sp>
+        <p:nvSpPr>
+          <p:cNvPr id="3" name="Espace réservé des notes 2"/>
+          <p:cNvSpPr>
+            <a:spLocks noGrp="1"/>
+          </p:cNvSpPr>
+          <p:nvPr>
+            <p:ph type="body" idx="1"/>
+          </p:nvPr>
+        </p:nvSpPr>
+        <p:spPr/>
+        <p:txBody>
+          <a:bodyPr/>
+          <a:lstStyle/>
+          <a:p>
+            <a:endParaRPr lang="fr-FR" dirty="0"/>
+          </a:p>
+        </p:txBody>
+      </p:sp>
+      <p:sp>
+        <p:nvSpPr>
+          <p:cNvPr id="4" name="Espace réservé du pied de page 3"/>
+          <p:cNvSpPr>
+            <a:spLocks noGrp="1"/>
+          </p:cNvSpPr>
+          <p:nvPr>
+            <p:ph type="ftr" sz="quarter" idx="4"/>
+          </p:nvPr>
+        </p:nvSpPr>
+        <p:spPr/>
+        <p:txBody>
+          <a:bodyPr/>
+          <a:lstStyle/>
+          <a:p>
+            <a:pPr>
+              <a:defRPr/>
+            </a:pPr>
+            <a:r>
+              <a:rPr lang="fr-FR"/>
+              <a:t>© HANDSHAKE - Philippe MASINA</a:t>
+            </a:r>
+          </a:p>
+        </p:txBody>
+      </p:sp>
+      <p:sp>
+        <p:nvSpPr>
+          <p:cNvPr id="5" name="Espace réservé du numéro de diapositive 4"/>
+          <p:cNvSpPr>
+            <a:spLocks noGrp="1"/>
+          </p:cNvSpPr>
+          <p:nvPr>
+            <p:ph type="sldNum" sz="quarter" idx="5"/>
+          </p:nvPr>
+        </p:nvSpPr>
+        <p:spPr/>
+        <p:txBody>
+          <a:bodyPr/>
+          <a:lstStyle/>
+          <a:p>
+            <a:pPr>
+              <a:defRPr/>
+            </a:pPr>
+            <a:r>
+              <a:rPr lang="fr-FR"/>
+              <a:t>I-</a:t>
+            </a:r>
+            <a:fld id="{88B410AF-14E7-4D87-8C8E-6E377E0C2388}" type="slidenum">
+              <a:rPr lang="fr-FR" smtClean="0"/>
+              <a:pPr>
+                <a:defRPr/>
+              </a:pPr>
+              <a:t>6</a:t>
+            </a:fld>
+            <a:endParaRPr lang="fr-FR"/>
+          </a:p>
+        </p:txBody>
+      </p:sp>
+    </p:spTree>
+    <p:extLst>
+      <p:ext uri="{BB962C8B-B14F-4D97-AF65-F5344CB8AC3E}">
+        <p14:creationId xmlns:p14="http://schemas.microsoft.com/office/powerpoint/2010/main" val="1311516194"/>
+      </p:ext>
+    </p:extLst>
+  </p:cSld>
+  <p:clrMapOvr>
+    <a:masterClrMapping/>
+  </p:clrMapOvr>
+</p:notes>
+</file>
+
+<file path=ppt/notesSlides/notesSlide4.xml><?xml version="1.0" encoding="utf-8"?>
 <p:notes xmlns:a="http://schemas.openxmlformats.org/drawingml/2006/main" xmlns:r="http://schemas.openxmlformats.org/officeDocument/2006/relationships" xmlns:p="http://schemas.openxmlformats.org/presentationml/2006/main">
   <p:cSld>
     <p:spTree>
@@ -1459,7 +1583,7 @@
           <a:lstStyle/>
           <a:p>
             <a:pPr eaLnBrk="1" hangingPunct="1"/>
-            <a:endParaRPr lang="en-US" altLang="fr-FR" smtClean="0"/>
+            <a:endParaRPr lang="en-US" altLang="fr-FR"/>
           </a:p>
         </p:txBody>
       </p:sp>
@@ -1514,10 +1638,9 @@
           <a:lstStyle/>
           <a:p>
             <a:r>
-              <a:rPr lang="fr-FR" smtClean="0"/>
+              <a:rPr lang="fr-FR"/>
               <a:t>Cliquez pour modifier le style du titre</a:t>
             </a:r>
-            <a:endParaRPr lang="fr-FR"/>
           </a:p>
         </p:txBody>
       </p:sp>
@@ -1579,10 +1702,9 @@
           </a:lstStyle>
           <a:p>
             <a:r>
-              <a:rPr lang="fr-FR" smtClean="0"/>
+              <a:rPr lang="fr-FR"/>
               <a:t>Cliquez pour modifier le style des sous-titres du masque</a:t>
             </a:r>
-            <a:endParaRPr lang="fr-FR"/>
           </a:p>
         </p:txBody>
       </p:sp>
@@ -1637,10 +1759,9 @@
           <a:lstStyle/>
           <a:p>
             <a:r>
-              <a:rPr lang="fr-FR" smtClean="0"/>
+              <a:rPr lang="fr-FR"/>
               <a:t>Cliquez pour modifier le style du titre</a:t>
             </a:r>
-            <a:endParaRPr lang="fr-FR"/>
           </a:p>
         </p:txBody>
       </p:sp>
@@ -1666,38 +1787,37 @@
           <a:p>
             <a:pPr lvl="0"/>
             <a:r>
-              <a:rPr lang="fr-FR" smtClean="0"/>
+              <a:rPr lang="fr-FR"/>
               <a:t>Cliquez pour modifier les styles du texte du masque</a:t>
             </a:r>
           </a:p>
           <a:p>
             <a:pPr lvl="1"/>
             <a:r>
-              <a:rPr lang="fr-FR" smtClean="0"/>
+              <a:rPr lang="fr-FR"/>
               <a:t>Deuxième niveau</a:t>
             </a:r>
           </a:p>
           <a:p>
             <a:pPr lvl="2"/>
             <a:r>
-              <a:rPr lang="fr-FR" smtClean="0"/>
+              <a:rPr lang="fr-FR"/>
               <a:t>Troisième niveau</a:t>
             </a:r>
           </a:p>
           <a:p>
             <a:pPr lvl="3"/>
             <a:r>
-              <a:rPr lang="fr-FR" smtClean="0"/>
+              <a:rPr lang="fr-FR"/>
               <a:t>Quatrième niveau</a:t>
             </a:r>
           </a:p>
           <a:p>
             <a:pPr lvl="4"/>
             <a:r>
-              <a:rPr lang="fr-FR" smtClean="0"/>
+              <a:rPr lang="fr-FR"/>
               <a:t>Cinquième niveau</a:t>
             </a:r>
-            <a:endParaRPr lang="fr-FR"/>
           </a:p>
         </p:txBody>
       </p:sp>
@@ -1756,10 +1876,9 @@
           </a:lstStyle>
           <a:p>
             <a:r>
-              <a:rPr lang="fr-FR" dirty="0" smtClean="0"/>
+              <a:rPr lang="fr-FR" dirty="0"/>
               <a:t>Cliquez pour modifier le style du titre</a:t>
             </a:r>
-            <a:endParaRPr lang="fr-FR" dirty="0"/>
           </a:p>
         </p:txBody>
       </p:sp>
@@ -1785,38 +1904,37 @@
           <a:p>
             <a:pPr lvl="0"/>
             <a:r>
-              <a:rPr lang="fr-FR" dirty="0" smtClean="0"/>
+              <a:rPr lang="fr-FR" dirty="0"/>
               <a:t>Cliquez pour modifier les styles du texte du masque</a:t>
             </a:r>
           </a:p>
           <a:p>
             <a:pPr lvl="1"/>
             <a:r>
-              <a:rPr lang="fr-FR" dirty="0" smtClean="0"/>
+              <a:rPr lang="fr-FR" dirty="0"/>
               <a:t>Deuxième niveau</a:t>
             </a:r>
           </a:p>
           <a:p>
             <a:pPr lvl="2"/>
             <a:r>
-              <a:rPr lang="fr-FR" dirty="0" smtClean="0"/>
+              <a:rPr lang="fr-FR" dirty="0"/>
               <a:t>Troisième niveau</a:t>
             </a:r>
           </a:p>
           <a:p>
             <a:pPr lvl="3"/>
             <a:r>
-              <a:rPr lang="fr-FR" dirty="0" smtClean="0"/>
+              <a:rPr lang="fr-FR" dirty="0"/>
               <a:t>Quatrième niveau</a:t>
             </a:r>
           </a:p>
           <a:p>
             <a:pPr lvl="4"/>
             <a:r>
-              <a:rPr lang="fr-FR" dirty="0" smtClean="0"/>
+              <a:rPr lang="fr-FR" dirty="0"/>
               <a:t>Cinquième niveau</a:t>
             </a:r>
-            <a:endParaRPr lang="fr-FR" dirty="0"/>
           </a:p>
         </p:txBody>
       </p:sp>
@@ -1866,10 +1984,9 @@
           <a:lstStyle/>
           <a:p>
             <a:r>
-              <a:rPr lang="fr-FR" smtClean="0"/>
+              <a:rPr lang="fr-FR"/>
               <a:t>Cliquez pour modifier le style du titre</a:t>
             </a:r>
-            <a:endParaRPr lang="fr-FR"/>
           </a:p>
         </p:txBody>
       </p:sp>
@@ -1923,38 +2040,37 @@
           <a:p>
             <a:pPr lvl="0"/>
             <a:r>
-              <a:rPr lang="fr-FR" smtClean="0"/>
+              <a:rPr lang="fr-FR"/>
               <a:t>Cliquez pour modifier les styles du texte du masque</a:t>
             </a:r>
           </a:p>
           <a:p>
             <a:pPr lvl="1"/>
             <a:r>
-              <a:rPr lang="fr-FR" smtClean="0"/>
+              <a:rPr lang="fr-FR"/>
               <a:t>Deuxième niveau</a:t>
             </a:r>
           </a:p>
           <a:p>
             <a:pPr lvl="2"/>
             <a:r>
-              <a:rPr lang="fr-FR" smtClean="0"/>
+              <a:rPr lang="fr-FR"/>
               <a:t>Troisième niveau</a:t>
             </a:r>
           </a:p>
           <a:p>
             <a:pPr lvl="3"/>
             <a:r>
-              <a:rPr lang="fr-FR" smtClean="0"/>
+              <a:rPr lang="fr-FR"/>
               <a:t>Quatrième niveau</a:t>
             </a:r>
           </a:p>
           <a:p>
             <a:pPr lvl="4"/>
             <a:r>
-              <a:rPr lang="fr-FR" smtClean="0"/>
+              <a:rPr lang="fr-FR"/>
               <a:t>Cinquième niveau</a:t>
             </a:r>
-            <a:endParaRPr lang="fr-FR"/>
           </a:p>
         </p:txBody>
       </p:sp>
@@ -2008,38 +2124,37 @@
           <a:p>
             <a:pPr lvl="0"/>
             <a:r>
-              <a:rPr lang="fr-FR" smtClean="0"/>
+              <a:rPr lang="fr-FR"/>
               <a:t>Cliquez pour modifier les styles du texte du masque</a:t>
             </a:r>
           </a:p>
           <a:p>
             <a:pPr lvl="1"/>
             <a:r>
-              <a:rPr lang="fr-FR" smtClean="0"/>
+              <a:rPr lang="fr-FR"/>
               <a:t>Deuxième niveau</a:t>
             </a:r>
           </a:p>
           <a:p>
             <a:pPr lvl="2"/>
             <a:r>
-              <a:rPr lang="fr-FR" smtClean="0"/>
+              <a:rPr lang="fr-FR"/>
               <a:t>Troisième niveau</a:t>
             </a:r>
           </a:p>
           <a:p>
             <a:pPr lvl="3"/>
             <a:r>
-              <a:rPr lang="fr-FR" smtClean="0"/>
+              <a:rPr lang="fr-FR"/>
               <a:t>Quatrième niveau</a:t>
             </a:r>
           </a:p>
           <a:p>
             <a:pPr lvl="4"/>
             <a:r>
-              <a:rPr lang="fr-FR" smtClean="0"/>
+              <a:rPr lang="fr-FR"/>
               <a:t>Cinquième niveau</a:t>
             </a:r>
-            <a:endParaRPr lang="fr-FR"/>
           </a:p>
         </p:txBody>
       </p:sp>
@@ -2098,10 +2213,9 @@
           </a:lstStyle>
           <a:p>
             <a:r>
-              <a:rPr lang="fr-FR" smtClean="0"/>
+              <a:rPr lang="fr-FR"/>
               <a:t>Cliquez pour modifier le style du titre</a:t>
             </a:r>
-            <a:endParaRPr lang="fr-FR"/>
           </a:p>
         </p:txBody>
       </p:sp>
@@ -2164,7 +2278,7 @@
           <a:p>
             <a:pPr lvl="0"/>
             <a:r>
-              <a:rPr lang="fr-FR" smtClean="0"/>
+              <a:rPr lang="fr-FR"/>
               <a:t>Cliquez pour modifier les styles du texte du masque</a:t>
             </a:r>
           </a:p>
@@ -2220,38 +2334,37 @@
           <a:p>
             <a:pPr lvl="0"/>
             <a:r>
-              <a:rPr lang="fr-FR" smtClean="0"/>
+              <a:rPr lang="fr-FR"/>
               <a:t>Cliquez pour modifier les styles du texte du masque</a:t>
             </a:r>
           </a:p>
           <a:p>
             <a:pPr lvl="1"/>
             <a:r>
-              <a:rPr lang="fr-FR" smtClean="0"/>
+              <a:rPr lang="fr-FR"/>
               <a:t>Deuxième niveau</a:t>
             </a:r>
           </a:p>
           <a:p>
             <a:pPr lvl="2"/>
             <a:r>
-              <a:rPr lang="fr-FR" smtClean="0"/>
+              <a:rPr lang="fr-FR"/>
               <a:t>Troisième niveau</a:t>
             </a:r>
           </a:p>
           <a:p>
             <a:pPr lvl="3"/>
             <a:r>
-              <a:rPr lang="fr-FR" smtClean="0"/>
+              <a:rPr lang="fr-FR"/>
               <a:t>Quatrième niveau</a:t>
             </a:r>
           </a:p>
           <a:p>
             <a:pPr lvl="4"/>
             <a:r>
-              <a:rPr lang="fr-FR" smtClean="0"/>
+              <a:rPr lang="fr-FR"/>
               <a:t>Cinquième niveau</a:t>
             </a:r>
-            <a:endParaRPr lang="fr-FR"/>
           </a:p>
         </p:txBody>
       </p:sp>
@@ -2314,7 +2427,7 @@
           <a:p>
             <a:pPr lvl="0"/>
             <a:r>
-              <a:rPr lang="fr-FR" smtClean="0"/>
+              <a:rPr lang="fr-FR"/>
               <a:t>Cliquez pour modifier les styles du texte du masque</a:t>
             </a:r>
           </a:p>
@@ -2370,38 +2483,37 @@
           <a:p>
             <a:pPr lvl="0"/>
             <a:r>
-              <a:rPr lang="fr-FR" smtClean="0"/>
+              <a:rPr lang="fr-FR"/>
               <a:t>Cliquez pour modifier les styles du texte du masque</a:t>
             </a:r>
           </a:p>
           <a:p>
             <a:pPr lvl="1"/>
             <a:r>
-              <a:rPr lang="fr-FR" smtClean="0"/>
+              <a:rPr lang="fr-FR"/>
               <a:t>Deuxième niveau</a:t>
             </a:r>
           </a:p>
           <a:p>
             <a:pPr lvl="2"/>
             <a:r>
-              <a:rPr lang="fr-FR" smtClean="0"/>
+              <a:rPr lang="fr-FR"/>
               <a:t>Troisième niveau</a:t>
             </a:r>
           </a:p>
           <a:p>
             <a:pPr lvl="3"/>
             <a:r>
-              <a:rPr lang="fr-FR" smtClean="0"/>
+              <a:rPr lang="fr-FR"/>
               <a:t>Quatrième niveau</a:t>
             </a:r>
           </a:p>
           <a:p>
             <a:pPr lvl="4"/>
             <a:r>
-              <a:rPr lang="fr-FR" smtClean="0"/>
+              <a:rPr lang="fr-FR"/>
               <a:t>Cinquième niveau</a:t>
             </a:r>
-            <a:endParaRPr lang="fr-FR"/>
           </a:p>
         </p:txBody>
       </p:sp>
@@ -2451,10 +2563,9 @@
           <a:lstStyle/>
           <a:p>
             <a:r>
-              <a:rPr lang="fr-FR" smtClean="0"/>
+              <a:rPr lang="fr-FR"/>
               <a:t>Cliquez pour modifier le style du titre</a:t>
             </a:r>
-            <a:endParaRPr lang="fr-FR"/>
           </a:p>
         </p:txBody>
       </p:sp>
@@ -2543,10 +2654,9 @@
           </a:lstStyle>
           <a:p>
             <a:r>
-              <a:rPr lang="fr-FR" smtClean="0"/>
+              <a:rPr lang="fr-FR"/>
               <a:t>Cliquez pour modifier le style du titre</a:t>
             </a:r>
-            <a:endParaRPr lang="fr-FR"/>
           </a:p>
         </p:txBody>
       </p:sp>
@@ -2600,38 +2710,37 @@
           <a:p>
             <a:pPr lvl="0"/>
             <a:r>
-              <a:rPr lang="fr-FR" smtClean="0"/>
+              <a:rPr lang="fr-FR"/>
               <a:t>Cliquez pour modifier les styles du texte du masque</a:t>
             </a:r>
           </a:p>
           <a:p>
             <a:pPr lvl="1"/>
             <a:r>
-              <a:rPr lang="fr-FR" smtClean="0"/>
+              <a:rPr lang="fr-FR"/>
               <a:t>Deuxième niveau</a:t>
             </a:r>
           </a:p>
           <a:p>
             <a:pPr lvl="2"/>
             <a:r>
-              <a:rPr lang="fr-FR" smtClean="0"/>
+              <a:rPr lang="fr-FR"/>
               <a:t>Troisième niveau</a:t>
             </a:r>
           </a:p>
           <a:p>
             <a:pPr lvl="3"/>
             <a:r>
-              <a:rPr lang="fr-FR" smtClean="0"/>
+              <a:rPr lang="fr-FR"/>
               <a:t>Quatrième niveau</a:t>
             </a:r>
           </a:p>
           <a:p>
             <a:pPr lvl="4"/>
             <a:r>
-              <a:rPr lang="fr-FR" smtClean="0"/>
+              <a:rPr lang="fr-FR"/>
               <a:t>Cinquième niveau</a:t>
             </a:r>
-            <a:endParaRPr lang="fr-FR"/>
           </a:p>
         </p:txBody>
       </p:sp>
@@ -2694,7 +2803,7 @@
           <a:p>
             <a:pPr lvl="0"/>
             <a:r>
-              <a:rPr lang="fr-FR" smtClean="0"/>
+              <a:rPr lang="fr-FR"/>
               <a:t>Cliquez pour modifier les styles du texte du masque</a:t>
             </a:r>
           </a:p>
@@ -2755,10 +2864,9 @@
           </a:lstStyle>
           <a:p>
             <a:r>
-              <a:rPr lang="fr-FR" smtClean="0"/>
+              <a:rPr lang="fr-FR"/>
               <a:t>Cliquez pour modifier le style du titre</a:t>
             </a:r>
-            <a:endParaRPr lang="fr-FR"/>
           </a:p>
         </p:txBody>
       </p:sp>
@@ -2820,7 +2928,7 @@
           </a:lstStyle>
           <a:p>
             <a:pPr lvl="0"/>
-            <a:endParaRPr lang="fr-FR" noProof="0" smtClean="0"/>
+            <a:endParaRPr lang="fr-FR" noProof="0"/>
           </a:p>
         </p:txBody>
       </p:sp>
@@ -2883,7 +2991,7 @@
           <a:p>
             <a:pPr lvl="0"/>
             <a:r>
-              <a:rPr lang="fr-FR" smtClean="0"/>
+              <a:rPr lang="fr-FR"/>
               <a:t>Cliquez pour modifier les styles du texte du masque</a:t>
             </a:r>
           </a:p>
@@ -2935,10 +3043,9 @@
           <a:lstStyle/>
           <a:p>
             <a:r>
-              <a:rPr lang="fr-FR" smtClean="0"/>
+              <a:rPr lang="fr-FR"/>
               <a:t>Cliquez pour modifier le style du titre</a:t>
             </a:r>
-            <a:endParaRPr lang="fr-FR"/>
           </a:p>
         </p:txBody>
       </p:sp>
@@ -2959,38 +3066,37 @@
           <a:p>
             <a:pPr lvl="0"/>
             <a:r>
-              <a:rPr lang="fr-FR" smtClean="0"/>
+              <a:rPr lang="fr-FR"/>
               <a:t>Cliquez pour modifier les styles du texte du masque</a:t>
             </a:r>
           </a:p>
           <a:p>
             <a:pPr lvl="1"/>
             <a:r>
-              <a:rPr lang="fr-FR" smtClean="0"/>
+              <a:rPr lang="fr-FR"/>
               <a:t>Deuxième niveau</a:t>
             </a:r>
           </a:p>
           <a:p>
             <a:pPr lvl="2"/>
             <a:r>
-              <a:rPr lang="fr-FR" smtClean="0"/>
+              <a:rPr lang="fr-FR"/>
               <a:t>Troisième niveau</a:t>
             </a:r>
           </a:p>
           <a:p>
             <a:pPr lvl="3"/>
             <a:r>
-              <a:rPr lang="fr-FR" smtClean="0"/>
+              <a:rPr lang="fr-FR"/>
               <a:t>Quatrième niveau</a:t>
             </a:r>
           </a:p>
           <a:p>
             <a:pPr lvl="4"/>
             <a:r>
-              <a:rPr lang="fr-FR" smtClean="0"/>
+              <a:rPr lang="fr-FR"/>
               <a:t>Cinquième niveau</a:t>
             </a:r>
-            <a:endParaRPr lang="fr-FR"/>
           </a:p>
         </p:txBody>
       </p:sp>
@@ -3171,7 +3277,7 @@
             <a:pPr eaLnBrk="1" hangingPunct="1">
               <a:defRPr/>
             </a:pPr>
-            <a:endParaRPr lang="fr-FR" altLang="fr-FR" smtClean="0"/>
+            <a:endParaRPr lang="fr-FR" altLang="fr-FR"/>
           </a:p>
         </p:txBody>
       </p:sp>
@@ -3325,7 +3431,7 @@
               <a:defRPr/>
             </a:pPr>
             <a:r>
-              <a:rPr lang="fr-FR" sz="1200" dirty="0" smtClean="0"/>
+              <a:rPr lang="fr-FR" sz="1200" dirty="0"/>
               <a:t>Page </a:t>
             </a:r>
             <a:fld id="{E218E9B1-FD08-4C80-902E-210BA2967D0D}" type="slidenum">
@@ -3338,7 +3444,7 @@
               </a:pPr>
               <a:t>‹N°›</a:t>
             </a:fld>
-            <a:endParaRPr lang="fr-FR" dirty="0" smtClean="0">
+            <a:endParaRPr lang="fr-FR" dirty="0">
               <a:latin typeface="Times New Roman" pitchFamily="18" charset="0"/>
             </a:endParaRPr>
           </a:p>
@@ -3494,10 +3600,10 @@
               <a:defRPr/>
             </a:pPr>
             <a:r>
-              <a:rPr lang="fr-FR" sz="1600" dirty="0" smtClean="0"/>
+              <a:rPr lang="fr-FR" sz="1600" dirty="0"/>
               <a:t>Python</a:t>
             </a:r>
-            <a:endParaRPr lang="fr-FR" dirty="0" smtClean="0">
+            <a:endParaRPr lang="fr-FR" dirty="0">
               <a:latin typeface="Times New Roman" pitchFamily="18" charset="0"/>
             </a:endParaRPr>
           </a:p>
@@ -3555,7 +3661,7 @@
           <a:p>
             <a:pPr lvl="0"/>
             <a:r>
-              <a:rPr lang="fr-FR" altLang="fr-FR" smtClean="0"/>
+              <a:rPr lang="fr-FR" altLang="fr-FR"/>
               <a:t>Cliquez pour modifier le style du titre du masque</a:t>
             </a:r>
           </a:p>
@@ -3613,35 +3719,35 @@
           <a:p>
             <a:pPr lvl="0"/>
             <a:r>
-              <a:rPr lang="fr-FR" altLang="fr-FR" smtClean="0"/>
+              <a:rPr lang="fr-FR" altLang="fr-FR"/>
               <a:t>Cliquez pour modifier les styles du texte du masque</a:t>
             </a:r>
           </a:p>
           <a:p>
             <a:pPr lvl="1"/>
             <a:r>
-              <a:rPr lang="fr-FR" altLang="fr-FR" smtClean="0"/>
+              <a:rPr lang="fr-FR" altLang="fr-FR"/>
               <a:t>Deuxième niveau</a:t>
             </a:r>
           </a:p>
           <a:p>
             <a:pPr lvl="2"/>
             <a:r>
-              <a:rPr lang="fr-FR" altLang="fr-FR" smtClean="0"/>
+              <a:rPr lang="fr-FR" altLang="fr-FR"/>
               <a:t>Troisième niveau</a:t>
             </a:r>
           </a:p>
           <a:p>
             <a:pPr lvl="3"/>
             <a:r>
-              <a:rPr lang="fr-FR" altLang="fr-FR" smtClean="0"/>
+              <a:rPr lang="fr-FR" altLang="fr-FR"/>
               <a:t>Quatrième niveau</a:t>
             </a:r>
           </a:p>
           <a:p>
             <a:pPr lvl="4"/>
             <a:r>
-              <a:rPr lang="fr-FR" altLang="fr-FR" smtClean="0"/>
+              <a:rPr lang="fr-FR" altLang="fr-FR"/>
               <a:t>Cinquième niveau</a:t>
             </a:r>
           </a:p>
@@ -3797,10 +3903,10 @@
               <a:defRPr/>
             </a:pPr>
             <a:r>
-              <a:rPr lang="fr-FR" sz="1200" smtClean="0"/>
+              <a:rPr lang="fr-FR" sz="1200"/>
               <a:t>© Cyril Vincent Conseil</a:t>
             </a:r>
-            <a:endParaRPr lang="fr-FR" smtClean="0">
+            <a:endParaRPr lang="fr-FR">
               <a:latin typeface="Times New Roman" pitchFamily="18" charset="0"/>
             </a:endParaRPr>
           </a:p>
@@ -4282,17 +4388,17 @@
           <a:p>
             <a:pPr eaLnBrk="1" hangingPunct="1"/>
             <a:r>
-              <a:rPr lang="fr-FR" altLang="fr-FR" dirty="0" smtClean="0"/>
+              <a:rPr lang="fr-FR" altLang="fr-FR" dirty="0"/>
               <a:t>Chapitre 9</a:t>
             </a:r>
           </a:p>
           <a:p>
             <a:pPr eaLnBrk="1" hangingPunct="1"/>
             <a:r>
-              <a:rPr lang="fr-FR" altLang="fr-FR" smtClean="0"/>
+              <a:rPr lang="fr-FR" altLang="fr-FR"/>
               <a:t>Héritage</a:t>
             </a:r>
-            <a:endParaRPr lang="fr-FR" altLang="fr-FR" dirty="0" smtClean="0"/>
+            <a:endParaRPr lang="fr-FR" altLang="fr-FR" dirty="0"/>
           </a:p>
         </p:txBody>
       </p:sp>
@@ -4342,13 +4448,6 @@
   <p:clrMapOvr>
     <a:masterClrMapping/>
   </p:clrMapOvr>
-  <p:timing>
-    <p:tnLst>
-      <p:par>
-        <p:cTn id="1" dur="indefinite" restart="never" nodeType="tmRoot"/>
-      </p:par>
-    </p:tnLst>
-  </p:timing>
 </p:sld>
 </file>
 
@@ -4543,14 +4642,14 @@
           <a:lstStyle/>
           <a:p>
             <a:r>
-              <a:rPr lang="en-US" altLang="fr-FR" smtClean="0">
+              <a:rPr lang="en-US" altLang="fr-FR">
                 <a:solidFill>
                   <a:srgbClr val="000000"/>
                 </a:solidFill>
               </a:rPr>
               <a:t>Héritage simple et multiple</a:t>
             </a:r>
-            <a:endParaRPr lang="en-GB" altLang="fr-FR" smtClean="0"/>
+            <a:endParaRPr lang="en-GB" altLang="fr-FR"/>
           </a:p>
         </p:txBody>
       </p:sp>
@@ -4570,7 +4669,7 @@
           <a:lstStyle/>
           <a:p>
             <a:r>
-              <a:rPr lang="en-US" altLang="fr-FR" dirty="0" err="1" smtClean="0">
+              <a:rPr lang="en-US" altLang="fr-FR" dirty="0" err="1">
                 <a:solidFill>
                   <a:srgbClr val="000000"/>
                 </a:solidFill>
@@ -4578,7 +4677,7 @@
               <a:t>Héritage</a:t>
             </a:r>
             <a:r>
-              <a:rPr lang="en-US" altLang="fr-FR" dirty="0" smtClean="0">
+              <a:rPr lang="en-US" altLang="fr-FR" dirty="0">
                 <a:solidFill>
                   <a:srgbClr val="000000"/>
                 </a:solidFill>
@@ -4586,11 +4685,11 @@
               <a:t> simple :</a:t>
             </a:r>
             <a:r>
-              <a:rPr lang="en-GB" altLang="fr-FR" dirty="0" smtClean="0"/>
+              <a:rPr lang="en-GB" altLang="fr-FR" dirty="0"/>
               <a:t> </a:t>
             </a:r>
             <a:r>
-              <a:rPr lang="en-US" altLang="fr-FR" dirty="0" err="1" smtClean="0">
+              <a:rPr lang="en-US" altLang="fr-FR" dirty="0" err="1">
                 <a:solidFill>
                   <a:srgbClr val="000000"/>
                 </a:solidFill>
@@ -4598,7 +4697,7 @@
               <a:t>dérivé</a:t>
             </a:r>
             <a:r>
-              <a:rPr lang="en-US" altLang="fr-FR" dirty="0" smtClean="0">
+              <a:rPr lang="en-US" altLang="fr-FR" dirty="0">
                 <a:solidFill>
                   <a:srgbClr val="000000"/>
                 </a:solidFill>
@@ -4606,7 +4705,7 @@
               <a:t> </a:t>
             </a:r>
             <a:r>
-              <a:rPr lang="en-US" altLang="fr-FR" dirty="0" err="1" smtClean="0">
+              <a:rPr lang="en-US" altLang="fr-FR" dirty="0" err="1">
                 <a:solidFill>
                   <a:srgbClr val="000000"/>
                 </a:solidFill>
@@ -4614,7 +4713,7 @@
               <a:t>d'une</a:t>
             </a:r>
             <a:r>
-              <a:rPr lang="en-US" altLang="fr-FR" dirty="0" smtClean="0">
+              <a:rPr lang="en-US" altLang="fr-FR" dirty="0">
                 <a:solidFill>
                   <a:srgbClr val="000000"/>
                 </a:solidFill>
@@ -4622,7 +4721,7 @@
               <a:t> </a:t>
             </a:r>
             <a:r>
-              <a:rPr lang="en-US" altLang="fr-FR" dirty="0" err="1" smtClean="0">
+              <a:rPr lang="en-US" altLang="fr-FR" dirty="0" err="1">
                 <a:solidFill>
                   <a:srgbClr val="000000"/>
                 </a:solidFill>
@@ -4630,18 +4729,18 @@
               <a:t>classe</a:t>
             </a:r>
             <a:r>
-              <a:rPr lang="en-US" altLang="fr-FR" dirty="0" smtClean="0">
+              <a:rPr lang="en-US" altLang="fr-FR" dirty="0">
                 <a:solidFill>
                   <a:srgbClr val="000000"/>
                 </a:solidFill>
               </a:rPr>
               <a:t> de base</a:t>
             </a:r>
-            <a:endParaRPr lang="en-GB" altLang="fr-FR" dirty="0" smtClean="0"/>
-          </a:p>
-          <a:p>
-            <a:r>
-              <a:rPr lang="en-US" altLang="fr-FR" dirty="0" err="1" smtClean="0">
+            <a:endParaRPr lang="en-GB" altLang="fr-FR" dirty="0"/>
+          </a:p>
+          <a:p>
+            <a:r>
+              <a:rPr lang="en-US" altLang="fr-FR" dirty="0" err="1">
                 <a:solidFill>
                   <a:srgbClr val="000000"/>
                 </a:solidFill>
@@ -4649,7 +4748,7 @@
               <a:t>Héritage</a:t>
             </a:r>
             <a:r>
-              <a:rPr lang="en-US" altLang="fr-FR" dirty="0" smtClean="0">
+              <a:rPr lang="en-US" altLang="fr-FR" dirty="0">
                 <a:solidFill>
                   <a:srgbClr val="000000"/>
                 </a:solidFill>
@@ -4657,11 +4756,11 @@
               <a:t> multiple :</a:t>
             </a:r>
             <a:r>
-              <a:rPr lang="en-GB" altLang="fr-FR" dirty="0" smtClean="0"/>
+              <a:rPr lang="en-GB" altLang="fr-FR" dirty="0"/>
               <a:t> </a:t>
             </a:r>
             <a:r>
-              <a:rPr lang="en-US" altLang="fr-FR" dirty="0" err="1" smtClean="0">
+              <a:rPr lang="en-US" altLang="fr-FR" dirty="0" err="1">
                 <a:solidFill>
                   <a:srgbClr val="000000"/>
                 </a:solidFill>
@@ -4669,7 +4768,7 @@
               <a:t>dérivé</a:t>
             </a:r>
             <a:r>
-              <a:rPr lang="en-US" altLang="fr-FR" dirty="0" smtClean="0">
+              <a:rPr lang="en-US" altLang="fr-FR" dirty="0">
                 <a:solidFill>
                   <a:srgbClr val="000000"/>
                 </a:solidFill>
@@ -4677,7 +4776,7 @@
               <a:t> de </a:t>
             </a:r>
             <a:r>
-              <a:rPr lang="en-US" altLang="fr-FR" dirty="0" err="1" smtClean="0">
+              <a:rPr lang="en-US" altLang="fr-FR" dirty="0" err="1">
                 <a:solidFill>
                   <a:srgbClr val="000000"/>
                 </a:solidFill>
@@ -4685,14 +4784,14 @@
               <a:t>plusieurs</a:t>
             </a:r>
             <a:r>
-              <a:rPr lang="en-US" altLang="fr-FR" dirty="0" smtClean="0">
+              <a:rPr lang="en-US" altLang="fr-FR" dirty="0">
                 <a:solidFill>
                   <a:srgbClr val="000000"/>
                 </a:solidFill>
               </a:rPr>
               <a:t> classes de base</a:t>
             </a:r>
-            <a:endParaRPr lang="en-GB" altLang="fr-FR" dirty="0" smtClean="0">
+            <a:endParaRPr lang="en-GB" altLang="fr-FR" dirty="0">
               <a:solidFill>
                 <a:srgbClr val="000000"/>
               </a:solidFill>
@@ -6486,10 +6585,9 @@
           <a:lstStyle/>
           <a:p>
             <a:r>
-              <a:rPr lang="fr-FR" dirty="0" smtClean="0"/>
+              <a:rPr lang="fr-FR" dirty="0"/>
               <a:t>Héritage multiple en Python</a:t>
             </a:r>
-            <a:endParaRPr lang="fr-FR" dirty="0"/>
           </a:p>
         </p:txBody>
       </p:sp>
@@ -6509,35 +6607,34 @@
           <a:lstStyle/>
           <a:p>
             <a:r>
-              <a:rPr lang="fr-FR" dirty="0" smtClean="0"/>
+              <a:rPr lang="fr-FR" dirty="0"/>
               <a:t>Comme en C++ l’héritage multiple est autorisé</a:t>
             </a:r>
           </a:p>
           <a:p>
             <a:pPr lvl="1"/>
             <a:r>
-              <a:rPr lang="fr-FR" dirty="0" smtClean="0"/>
+              <a:rPr lang="fr-FR" dirty="0"/>
               <a:t>Toléré</a:t>
             </a:r>
           </a:p>
           <a:p>
             <a:pPr lvl="1"/>
             <a:r>
-              <a:rPr lang="fr-FR" dirty="0" smtClean="0"/>
+              <a:rPr lang="fr-FR" dirty="0"/>
               <a:t>Dangereux</a:t>
             </a:r>
           </a:p>
           <a:p>
             <a:pPr lvl="1"/>
             <a:r>
-              <a:rPr lang="fr-FR" dirty="0" smtClean="0"/>
+              <a:rPr lang="fr-FR" dirty="0"/>
               <a:t>De gauche à droite</a:t>
             </a:r>
-            <a:endParaRPr lang="fr-FR" dirty="0"/>
-          </a:p>
-          <a:p>
-            <a:r>
-              <a:rPr lang="fr-FR" dirty="0" smtClean="0"/>
+          </a:p>
+          <a:p>
+            <a:r>
+              <a:rPr lang="fr-FR" dirty="0"/>
               <a:t>Syntaxe</a:t>
             </a:r>
           </a:p>
@@ -6545,29 +6642,24 @@
             <a:pPr lvl="1"/>
             <a:r>
               <a:rPr lang="fr-FR" dirty="0"/>
-              <a:t>c</a:t>
-            </a:r>
-            <a:r>
-              <a:rPr lang="fr-FR" dirty="0" smtClean="0"/>
-              <a:t>lass </a:t>
-            </a:r>
-            <a:r>
-              <a:rPr lang="fr-FR" dirty="0" err="1" smtClean="0"/>
+              <a:t>class </a:t>
+            </a:r>
+            <a:r>
+              <a:rPr lang="fr-FR" dirty="0" err="1"/>
               <a:t>SousClass</a:t>
             </a:r>
             <a:r>
-              <a:rPr lang="fr-FR" dirty="0" smtClean="0"/>
+              <a:rPr lang="fr-FR" dirty="0"/>
               <a:t> (SuperClasse1, </a:t>
             </a:r>
             <a:r>
-              <a:rPr lang="fr-FR" dirty="0" err="1" smtClean="0"/>
+              <a:rPr lang="fr-FR" dirty="0" err="1"/>
               <a:t>SuperClasse</a:t>
             </a:r>
             <a:r>
-              <a:rPr lang="fr-FR" dirty="0" smtClean="0"/>
+              <a:rPr lang="fr-FR" dirty="0"/>
               <a:t> 2, …) :</a:t>
             </a:r>
-            <a:endParaRPr lang="fr-FR" dirty="0"/>
           </a:p>
         </p:txBody>
       </p:sp>
@@ -6775,14 +6867,14 @@
           <a:lstStyle/>
           <a:p>
             <a:r>
-              <a:rPr lang="en-US" altLang="fr-FR" smtClean="0">
+              <a:rPr lang="en-US" altLang="fr-FR">
                 <a:solidFill>
                   <a:srgbClr val="000000"/>
                 </a:solidFill>
               </a:rPr>
               <a:t>Héritage</a:t>
             </a:r>
-            <a:endParaRPr lang="en-GB" altLang="fr-FR" smtClean="0"/>
+            <a:endParaRPr lang="en-GB" altLang="fr-FR"/>
           </a:p>
         </p:txBody>
       </p:sp>
@@ -6807,7 +6899,7 @@
           <a:lstStyle/>
           <a:p>
             <a:r>
-              <a:rPr lang="en-US" altLang="fr-FR" sz="2400" dirty="0" err="1" smtClean="0">
+              <a:rPr lang="en-US" altLang="fr-FR" sz="2400" dirty="0" err="1">
                 <a:solidFill>
                   <a:srgbClr val="000000"/>
                 </a:solidFill>
@@ -6815,7 +6907,7 @@
               <a:t>L'héritage</a:t>
             </a:r>
             <a:r>
-              <a:rPr lang="en-US" altLang="fr-FR" sz="2400" dirty="0" smtClean="0">
+              <a:rPr lang="en-US" altLang="fr-FR" sz="2400" dirty="0">
                 <a:solidFill>
                   <a:srgbClr val="000000"/>
                 </a:solidFill>
@@ -6823,7 +6915,7 @@
               <a:t> </a:t>
             </a:r>
             <a:r>
-              <a:rPr lang="en-US" altLang="fr-FR" sz="2400" dirty="0" err="1" smtClean="0">
+              <a:rPr lang="en-US" altLang="fr-FR" sz="2400" dirty="0" err="1">
                 <a:solidFill>
                   <a:srgbClr val="000000"/>
                 </a:solidFill>
@@ -6831,7 +6923,7 @@
               <a:t>spécifie</a:t>
             </a:r>
             <a:r>
-              <a:rPr lang="en-US" altLang="fr-FR" sz="2400" dirty="0" smtClean="0">
+              <a:rPr lang="en-US" altLang="fr-FR" sz="2400" dirty="0">
                 <a:solidFill>
                   <a:srgbClr val="000000"/>
                 </a:solidFill>
@@ -6839,7 +6931,7 @@
               <a:t> </a:t>
             </a:r>
             <a:r>
-              <a:rPr lang="en-US" altLang="fr-FR" sz="2400" dirty="0" err="1" smtClean="0">
+              <a:rPr lang="en-US" altLang="fr-FR" sz="2400" dirty="0" err="1">
                 <a:solidFill>
                   <a:srgbClr val="000000"/>
                 </a:solidFill>
@@ -6847,7 +6939,7 @@
               <a:t>une</a:t>
             </a:r>
             <a:r>
-              <a:rPr lang="en-US" altLang="fr-FR" sz="2400" dirty="0" smtClean="0">
+              <a:rPr lang="en-US" altLang="fr-FR" sz="2400" dirty="0">
                 <a:solidFill>
                   <a:srgbClr val="000000"/>
                 </a:solidFill>
@@ -6855,7 +6947,7 @@
               <a:t> relation « </a:t>
             </a:r>
             <a:r>
-              <a:rPr lang="en-US" altLang="fr-FR" sz="2400" dirty="0" err="1" smtClean="0">
+              <a:rPr lang="en-US" altLang="fr-FR" sz="2400" dirty="0" err="1">
                 <a:solidFill>
                   <a:srgbClr val="000000"/>
                 </a:solidFill>
@@ -6863,7 +6955,7 @@
               <a:t>est</a:t>
             </a:r>
             <a:r>
-              <a:rPr lang="en-US" altLang="fr-FR" sz="2400" dirty="0" smtClean="0">
+              <a:rPr lang="en-US" altLang="fr-FR" sz="2400" dirty="0">
                 <a:solidFill>
                   <a:srgbClr val="000000"/>
                 </a:solidFill>
@@ -6871,7 +6963,7 @@
               <a:t> </a:t>
             </a:r>
             <a:r>
-              <a:rPr lang="en-US" altLang="fr-FR" sz="2400" dirty="0" err="1" smtClean="0">
+              <a:rPr lang="en-US" altLang="fr-FR" sz="2400" dirty="0" err="1">
                 <a:solidFill>
                   <a:srgbClr val="000000"/>
                 </a:solidFill>
@@ -6879,7 +6971,7 @@
               <a:t>une</a:t>
             </a:r>
             <a:r>
-              <a:rPr lang="en-US" altLang="fr-FR" sz="2400" dirty="0" smtClean="0">
+              <a:rPr lang="en-US" altLang="fr-FR" sz="2400" dirty="0">
                 <a:solidFill>
                   <a:srgbClr val="000000"/>
                 </a:solidFill>
@@ -6887,7 +6979,7 @@
               <a:t> </a:t>
             </a:r>
             <a:r>
-              <a:rPr lang="en-US" altLang="fr-FR" sz="2400" dirty="0" err="1" smtClean="0">
+              <a:rPr lang="en-US" altLang="fr-FR" sz="2400" dirty="0" err="1">
                 <a:solidFill>
                   <a:srgbClr val="000000"/>
                 </a:solidFill>
@@ -6895,19 +6987,19 @@
               <a:t>espèce</a:t>
             </a:r>
             <a:r>
-              <a:rPr lang="en-US" altLang="fr-FR" sz="2400" dirty="0" smtClean="0">
+              <a:rPr lang="en-US" altLang="fr-FR" sz="2400" dirty="0">
                 <a:solidFill>
                   <a:srgbClr val="000000"/>
                 </a:solidFill>
               </a:rPr>
               <a:t> de »</a:t>
             </a:r>
-            <a:endParaRPr lang="en-GB" altLang="fr-FR" sz="2400" dirty="0" smtClean="0"/>
+            <a:endParaRPr lang="en-GB" altLang="fr-FR" sz="2400" dirty="0"/>
           </a:p>
           <a:p>
             <a:pPr lvl="1"/>
             <a:r>
-              <a:rPr lang="en-US" altLang="fr-FR" sz="2000" dirty="0" err="1" smtClean="0">
+              <a:rPr lang="en-US" altLang="fr-FR" sz="2000" dirty="0" err="1">
                 <a:solidFill>
                   <a:srgbClr val="000000"/>
                 </a:solidFill>
@@ -6915,7 +7007,7 @@
               <a:t>L'héritage</a:t>
             </a:r>
             <a:r>
-              <a:rPr lang="en-US" altLang="fr-FR" sz="2000" dirty="0" smtClean="0">
+              <a:rPr lang="en-US" altLang="fr-FR" sz="2000" dirty="0">
                 <a:solidFill>
                   <a:srgbClr val="000000"/>
                 </a:solidFill>
@@ -6923,7 +7015,7 @@
               <a:t> </a:t>
             </a:r>
             <a:r>
-              <a:rPr lang="en-US" altLang="fr-FR" sz="2000" dirty="0" err="1" smtClean="0">
+              <a:rPr lang="en-US" altLang="fr-FR" sz="2000" dirty="0" err="1">
                 <a:solidFill>
                   <a:srgbClr val="000000"/>
                 </a:solidFill>
@@ -6931,7 +7023,7 @@
               <a:t>est</a:t>
             </a:r>
             <a:r>
-              <a:rPr lang="en-US" altLang="fr-FR" sz="2000" dirty="0" smtClean="0">
+              <a:rPr lang="en-US" altLang="fr-FR" sz="2000" dirty="0">
                 <a:solidFill>
                   <a:srgbClr val="000000"/>
                 </a:solidFill>
@@ -6939,7 +7031,7 @@
               <a:t> </a:t>
             </a:r>
             <a:r>
-              <a:rPr lang="en-US" altLang="fr-FR" sz="2000" dirty="0" err="1" smtClean="0">
+              <a:rPr lang="en-US" altLang="fr-FR" sz="2000" dirty="0" err="1">
                 <a:solidFill>
                   <a:srgbClr val="000000"/>
                 </a:solidFill>
@@ -6947,19 +7039,19 @@
               <a:t>une</a:t>
             </a:r>
             <a:r>
-              <a:rPr lang="en-US" altLang="fr-FR" sz="2000" dirty="0" smtClean="0">
+              <a:rPr lang="en-US" altLang="fr-FR" sz="2000" dirty="0">
                 <a:solidFill>
                   <a:srgbClr val="000000"/>
                 </a:solidFill>
               </a:rPr>
               <a:t> relation entre classes</a:t>
             </a:r>
-            <a:endParaRPr lang="en-GB" altLang="fr-FR" sz="2000" dirty="0" smtClean="0"/>
+            <a:endParaRPr lang="en-GB" altLang="fr-FR" sz="2000" dirty="0"/>
           </a:p>
           <a:p>
             <a:pPr lvl="1"/>
             <a:r>
-              <a:rPr lang="en-US" altLang="fr-FR" sz="2000" dirty="0" smtClean="0">
+              <a:rPr lang="en-US" altLang="fr-FR" sz="2000" dirty="0">
                 <a:solidFill>
                   <a:srgbClr val="000000"/>
                 </a:solidFill>
@@ -6967,7 +7059,7 @@
               <a:t>Les </a:t>
             </a:r>
             <a:r>
-              <a:rPr lang="en-US" altLang="fr-FR" sz="2000" dirty="0" err="1" smtClean="0">
+              <a:rPr lang="en-US" altLang="fr-FR" sz="2000" dirty="0" err="1">
                 <a:solidFill>
                   <a:srgbClr val="000000"/>
                 </a:solidFill>
@@ -6975,7 +7067,7 @@
               <a:t>nouvelles</a:t>
             </a:r>
             <a:r>
-              <a:rPr lang="en-US" altLang="fr-FR" sz="2000" dirty="0" smtClean="0">
+              <a:rPr lang="en-US" altLang="fr-FR" sz="2000" dirty="0">
                 <a:solidFill>
                   <a:srgbClr val="000000"/>
                 </a:solidFill>
@@ -6983,7 +7075,7 @@
               <a:t> classes </a:t>
             </a:r>
             <a:r>
-              <a:rPr lang="en-US" altLang="fr-FR" sz="2000" dirty="0" err="1" smtClean="0">
+              <a:rPr lang="en-US" altLang="fr-FR" sz="2000" dirty="0" err="1">
                 <a:solidFill>
                   <a:srgbClr val="000000"/>
                 </a:solidFill>
@@ -6991,7 +7083,7 @@
               <a:t>spécialisent</a:t>
             </a:r>
             <a:r>
-              <a:rPr lang="en-US" altLang="fr-FR" sz="2000" dirty="0" smtClean="0">
+              <a:rPr lang="en-US" altLang="fr-FR" sz="2000" dirty="0">
                 <a:solidFill>
                   <a:srgbClr val="000000"/>
                 </a:solidFill>
@@ -6999,14 +7091,14 @@
               <a:t> les classes </a:t>
             </a:r>
             <a:r>
-              <a:rPr lang="en-US" altLang="fr-FR" sz="2000" dirty="0" err="1" smtClean="0">
+              <a:rPr lang="en-US" altLang="fr-FR" sz="2000" dirty="0" err="1">
                 <a:solidFill>
                   <a:srgbClr val="000000"/>
                 </a:solidFill>
               </a:rPr>
               <a:t>existantes</a:t>
             </a:r>
-            <a:endParaRPr lang="en-GB" altLang="fr-FR" sz="2000" dirty="0" smtClean="0">
+            <a:endParaRPr lang="en-GB" altLang="fr-FR" sz="2000" dirty="0">
               <a:solidFill>
                 <a:srgbClr val="000000"/>
               </a:solidFill>
@@ -8525,10 +8617,9 @@
           <a:lstStyle/>
           <a:p>
             <a:r>
-              <a:rPr lang="fr-FR" dirty="0" smtClean="0"/>
+              <a:rPr lang="fr-FR" dirty="0"/>
               <a:t>Syntaxe</a:t>
             </a:r>
-            <a:endParaRPr lang="fr-FR" dirty="0"/>
           </a:p>
         </p:txBody>
       </p:sp>
@@ -8548,23 +8639,23 @@
           <a:lstStyle/>
           <a:p>
             <a:r>
-              <a:rPr lang="fr-FR" dirty="0" smtClean="0"/>
+              <a:rPr lang="fr-FR" dirty="0"/>
               <a:t>class </a:t>
             </a:r>
             <a:r>
-              <a:rPr lang="fr-FR" dirty="0" err="1" smtClean="0"/>
+              <a:rPr lang="fr-FR" dirty="0" err="1"/>
               <a:t>sousClasse</a:t>
             </a:r>
             <a:r>
-              <a:rPr lang="fr-FR" dirty="0" smtClean="0"/>
+              <a:rPr lang="fr-FR" dirty="0"/>
               <a:t>(</a:t>
             </a:r>
             <a:r>
-              <a:rPr lang="fr-FR" dirty="0" err="1" smtClean="0"/>
+              <a:rPr lang="fr-FR" dirty="0" err="1"/>
               <a:t>superClasse</a:t>
             </a:r>
             <a:r>
-              <a:rPr lang="fr-FR" dirty="0" smtClean="0"/>
+              <a:rPr lang="fr-FR" dirty="0"/>
               <a:t>)</a:t>
             </a:r>
           </a:p>
@@ -8798,14 +8889,14 @@
           <a:lstStyle/>
           <a:p>
             <a:r>
-              <a:rPr lang="en-US" altLang="fr-FR" smtClean="0">
+              <a:rPr lang="en-US" altLang="fr-FR">
                 <a:solidFill>
                   <a:srgbClr val="000000"/>
                 </a:solidFill>
               </a:rPr>
               <a:t>Hiérarchies des classes</a:t>
             </a:r>
-            <a:endParaRPr lang="en-GB" altLang="fr-FR" smtClean="0"/>
+            <a:endParaRPr lang="en-GB" altLang="fr-FR"/>
           </a:p>
         </p:txBody>
       </p:sp>
@@ -8830,7 +8921,7 @@
           <a:lstStyle/>
           <a:p>
             <a:r>
-              <a:rPr lang="en-US" altLang="fr-FR" sz="2400" dirty="0" smtClean="0">
+              <a:rPr lang="en-US" altLang="fr-FR" sz="2400" dirty="0">
                 <a:solidFill>
                   <a:srgbClr val="000000"/>
                 </a:solidFill>
@@ -8838,7 +8929,7 @@
               <a:t>Les classes </a:t>
             </a:r>
             <a:r>
-              <a:rPr lang="en-US" altLang="fr-FR" sz="2400" dirty="0" err="1" smtClean="0">
+              <a:rPr lang="en-US" altLang="fr-FR" sz="2400" dirty="0" err="1">
                 <a:solidFill>
                   <a:srgbClr val="000000"/>
                 </a:solidFill>
@@ -8846,7 +8937,7 @@
               <a:t>apparentées</a:t>
             </a:r>
             <a:r>
-              <a:rPr lang="en-US" altLang="fr-FR" sz="2400" dirty="0" smtClean="0">
+              <a:rPr lang="en-US" altLang="fr-FR" sz="2400" dirty="0">
                 <a:solidFill>
                   <a:srgbClr val="000000"/>
                 </a:solidFill>
@@ -8854,7 +8945,7 @@
               <a:t> par </a:t>
             </a:r>
             <a:r>
-              <a:rPr lang="en-US" altLang="fr-FR" sz="2400" dirty="0" err="1" smtClean="0">
+              <a:rPr lang="en-US" altLang="fr-FR" sz="2400" dirty="0" err="1">
                 <a:solidFill>
                   <a:srgbClr val="000000"/>
                 </a:solidFill>
@@ -8862,7 +8953,7 @@
               <a:t>héritage</a:t>
             </a:r>
             <a:r>
-              <a:rPr lang="en-US" altLang="fr-FR" sz="2400" dirty="0" smtClean="0">
+              <a:rPr lang="en-US" altLang="fr-FR" sz="2400" dirty="0">
                 <a:solidFill>
                   <a:srgbClr val="000000"/>
                 </a:solidFill>
@@ -8870,7 +8961,7 @@
               <a:t> </a:t>
             </a:r>
             <a:r>
-              <a:rPr lang="en-US" altLang="fr-FR" sz="2400" dirty="0" err="1" smtClean="0">
+              <a:rPr lang="en-US" altLang="fr-FR" sz="2400" dirty="0" err="1">
                 <a:solidFill>
                   <a:srgbClr val="000000"/>
                 </a:solidFill>
@@ -8878,7 +8969,7 @@
               <a:t>forment</a:t>
             </a:r>
             <a:r>
-              <a:rPr lang="en-US" altLang="fr-FR" sz="2400" dirty="0" smtClean="0">
+              <a:rPr lang="en-US" altLang="fr-FR" sz="2400" dirty="0">
                 <a:solidFill>
                   <a:srgbClr val="000000"/>
                 </a:solidFill>
@@ -8886,7 +8977,7 @@
               <a:t> des </a:t>
             </a:r>
             <a:r>
-              <a:rPr lang="en-US" altLang="fr-FR" sz="2400" dirty="0" err="1" smtClean="0">
+              <a:rPr lang="en-US" altLang="fr-FR" sz="2400" dirty="0" err="1">
                 <a:solidFill>
                   <a:srgbClr val="000000"/>
                 </a:solidFill>
@@ -8894,14 +8985,14 @@
               <a:t>hiérarchies</a:t>
             </a:r>
             <a:r>
-              <a:rPr lang="en-US" altLang="fr-FR" sz="2400" dirty="0" smtClean="0">
+              <a:rPr lang="en-US" altLang="fr-FR" sz="2400" dirty="0">
                 <a:solidFill>
                   <a:srgbClr val="000000"/>
                 </a:solidFill>
               </a:rPr>
               <a:t> de classes</a:t>
             </a:r>
-            <a:endParaRPr lang="en-GB" altLang="fr-FR" sz="2400" dirty="0" smtClean="0"/>
+            <a:endParaRPr lang="en-GB" altLang="fr-FR" sz="2400" dirty="0"/>
           </a:p>
         </p:txBody>
       </p:sp>
@@ -11712,7 +11803,7 @@
           <a:lstStyle/>
           <a:p>
             <a:r>
-              <a:rPr lang="fr-FR" dirty="0" err="1" smtClean="0"/>
+              <a:rPr lang="fr-FR" dirty="0" err="1"/>
               <a:t>object</a:t>
             </a:r>
             <a:endParaRPr lang="fr-FR" dirty="0"/>
@@ -11735,27 +11826,27 @@
           <a:lstStyle/>
           <a:p>
             <a:r>
-              <a:rPr lang="fr-FR" dirty="0" smtClean="0"/>
+              <a:rPr lang="fr-FR" dirty="0"/>
               <a:t>Toutes les classes héritent </a:t>
             </a:r>
             <a:r>
-              <a:rPr lang="fr-FR" dirty="0" err="1" smtClean="0"/>
+              <a:rPr lang="fr-FR" dirty="0" err="1"/>
               <a:t>d’object</a:t>
             </a:r>
-            <a:endParaRPr lang="fr-FR" dirty="0" smtClean="0"/>
-          </a:p>
-          <a:p>
-            <a:r>
-              <a:rPr lang="fr-FR" dirty="0" smtClean="0"/>
+            <a:endParaRPr lang="fr-FR" dirty="0"/>
+          </a:p>
+          <a:p>
+            <a:r>
+              <a:rPr lang="fr-FR" dirty="0"/>
               <a:t>La fonction __</a:t>
             </a:r>
             <a:r>
-              <a:rPr lang="fr-FR" dirty="0" err="1" smtClean="0"/>
+              <a:rPr lang="fr-FR" dirty="0" err="1"/>
               <a:t>dir</a:t>
             </a:r>
             <a:r>
-              <a:rPr lang="fr-FR" dirty="0" smtClean="0"/>
-              <a:t>__ permet de lister toutes les membres d’une classe</a:t>
+              <a:rPr lang="fr-FR" dirty="0"/>
+              <a:t>__ permet de lister tous les membres d’une classe</a:t>
             </a:r>
           </a:p>
         </p:txBody>
@@ -11770,13 +11861,6 @@
   <p:clrMapOvr>
     <a:masterClrMapping/>
   </p:clrMapOvr>
-  <p:timing>
-    <p:tnLst>
-      <p:par>
-        <p:cTn id="1" dur="indefinite" restart="never" nodeType="tmRoot"/>
-      </p:par>
-    </p:tnLst>
-  </p:timing>
 </p:sld>
 </file>
 
@@ -11813,10 +11897,9 @@
           <a:lstStyle/>
           <a:p>
             <a:r>
-              <a:rPr lang="fr-FR" dirty="0" smtClean="0"/>
+              <a:rPr lang="fr-FR" dirty="0"/>
               <a:t>Représentation de l’objet</a:t>
             </a:r>
-            <a:endParaRPr lang="fr-FR" dirty="0"/>
           </a:p>
         </p:txBody>
       </p:sp>
@@ -11841,8 +11924,8 @@
           <a:lstStyle/>
           <a:p>
             <a:r>
-              <a:rPr lang="fr-FR" dirty="0" smtClean="0"/>
-              <a:t>Si on affiche un objet voici ce qu’il ce passe :</a:t>
+              <a:rPr lang="fr-FR" dirty="0"/>
+              <a:t>Si on affiche un objet voici ce qu’il se passe :</a:t>
             </a:r>
           </a:p>
           <a:p>
@@ -11857,84 +11940,80 @@
             </a:r>
             <a:r>
               <a:rPr lang="en-US" dirty="0"/>
-              <a:t> object at 0x00B46A70</a:t>
-            </a:r>
-            <a:r>
-              <a:rPr lang="en-US" dirty="0" smtClean="0"/>
-              <a:t>&gt;</a:t>
+              <a:t> object at 0x00B46A70&gt;</a:t>
             </a:r>
           </a:p>
           <a:p>
             <a:pPr lvl="1"/>
             <a:r>
-              <a:rPr lang="en-US" dirty="0" smtClean="0"/>
+              <a:rPr lang="en-US" dirty="0"/>
               <a:t>Avec 0x00B46A70 qui </a:t>
             </a:r>
             <a:r>
-              <a:rPr lang="en-US" dirty="0" err="1" smtClean="0"/>
+              <a:rPr lang="en-US" dirty="0" err="1"/>
               <a:t>représente</a:t>
             </a:r>
             <a:r>
-              <a:rPr lang="en-US" dirty="0" smtClean="0"/>
+              <a:rPr lang="en-US" dirty="0"/>
               <a:t> la </a:t>
             </a:r>
             <a:r>
-              <a:rPr lang="en-US" dirty="0" err="1" smtClean="0"/>
+              <a:rPr lang="en-US" dirty="0" err="1"/>
               <a:t>référence</a:t>
             </a:r>
             <a:r>
-              <a:rPr lang="en-US" dirty="0" smtClean="0"/>
+              <a:rPr lang="en-US" dirty="0"/>
               <a:t> </a:t>
             </a:r>
             <a:r>
-              <a:rPr lang="en-US" dirty="0" err="1" smtClean="0"/>
+              <a:rPr lang="en-US" dirty="0" err="1"/>
               <a:t>en</a:t>
             </a:r>
             <a:r>
-              <a:rPr lang="en-US" dirty="0" smtClean="0"/>
+              <a:rPr lang="en-US" dirty="0"/>
               <a:t> </a:t>
             </a:r>
             <a:r>
-              <a:rPr lang="en-US" dirty="0" err="1" smtClean="0"/>
+              <a:rPr lang="en-US" dirty="0" err="1"/>
               <a:t>mémoire</a:t>
             </a:r>
             <a:r>
-              <a:rPr lang="en-US" dirty="0" smtClean="0"/>
+              <a:rPr lang="en-US" dirty="0"/>
               <a:t> de </a:t>
             </a:r>
             <a:r>
-              <a:rPr lang="en-US" dirty="0" err="1" smtClean="0"/>
+              <a:rPr lang="en-US" dirty="0" err="1"/>
               <a:t>l’objet</a:t>
             </a:r>
-            <a:endParaRPr lang="en-US" dirty="0" smtClean="0"/>
-          </a:p>
-          <a:p>
-            <a:r>
-              <a:rPr lang="en-US" dirty="0" smtClean="0"/>
+            <a:endParaRPr lang="en-US" dirty="0"/>
+          </a:p>
+          <a:p>
+            <a:r>
+              <a:rPr lang="en-US" dirty="0"/>
               <a:t>Il </a:t>
             </a:r>
             <a:r>
-              <a:rPr lang="en-US" dirty="0" err="1" smtClean="0"/>
+              <a:rPr lang="en-US" dirty="0" err="1"/>
               <a:t>est</a:t>
             </a:r>
             <a:r>
-              <a:rPr lang="en-US" dirty="0" smtClean="0"/>
+              <a:rPr lang="en-US" dirty="0"/>
               <a:t> possible de modifier la representation par </a:t>
             </a:r>
             <a:r>
-              <a:rPr lang="en-US" dirty="0" err="1" smtClean="0"/>
+              <a:rPr lang="en-US" dirty="0" err="1"/>
               <a:t>défaut</a:t>
             </a:r>
             <a:r>
-              <a:rPr lang="en-US" dirty="0" smtClean="0"/>
+              <a:rPr lang="en-US" dirty="0"/>
               <a:t> grâce à __</a:t>
             </a:r>
             <a:r>
-              <a:rPr lang="en-US" dirty="0" err="1" smtClean="0"/>
+              <a:rPr lang="en-US" dirty="0" err="1"/>
               <a:t>repr</a:t>
             </a:r>
             <a:r>
-              <a:rPr lang="en-US" dirty="0" smtClean="0"/>
+              <a:rPr lang="en-US" dirty="0"/>
               <a:t>__</a:t>
             </a:r>
           </a:p>
@@ -11949,7 +12028,7 @@
           <p:nvPr/>
         </p:nvPicPr>
         <p:blipFill>
-          <a:blip r:embed="rId2"/>
+          <a:blip r:embed="rId3"/>
           <a:stretch>
             <a:fillRect/>
           </a:stretch>
@@ -11973,7 +12052,7 @@
           <p:nvPr/>
         </p:nvPicPr>
         <p:blipFill>
-          <a:blip r:embed="rId3"/>
+          <a:blip r:embed="rId4"/>
           <a:stretch>
             <a:fillRect/>
           </a:stretch>
@@ -12034,18 +12113,17 @@
           <a:lstStyle/>
           <a:p>
             <a:r>
-              <a:rPr lang="fr-FR" dirty="0" smtClean="0"/>
+              <a:rPr lang="fr-FR" dirty="0"/>
               <a:t>__</a:t>
             </a:r>
             <a:r>
-              <a:rPr lang="fr-FR" dirty="0" err="1" smtClean="0"/>
+              <a:rPr lang="fr-FR" dirty="0" err="1"/>
               <a:t>str</a:t>
             </a:r>
             <a:r>
-              <a:rPr lang="fr-FR" dirty="0" smtClean="0"/>
+              <a:rPr lang="fr-FR" dirty="0"/>
               <a:t>__</a:t>
             </a:r>
-            <a:endParaRPr lang="fr-FR" dirty="0"/>
           </a:p>
         </p:txBody>
       </p:sp>
@@ -12065,51 +12143,51 @@
           <a:lstStyle/>
           <a:p>
             <a:r>
-              <a:rPr lang="fr-FR" dirty="0" smtClean="0"/>
+              <a:rPr lang="fr-FR" dirty="0"/>
               <a:t>Equivalent à __</a:t>
             </a:r>
             <a:r>
-              <a:rPr lang="fr-FR" dirty="0" err="1" smtClean="0"/>
+              <a:rPr lang="fr-FR" dirty="0" err="1"/>
               <a:t>repr</a:t>
             </a:r>
             <a:r>
-              <a:rPr lang="fr-FR" dirty="0" smtClean="0"/>
+              <a:rPr lang="fr-FR" dirty="0"/>
               <a:t>__ mais uniquement pour </a:t>
             </a:r>
             <a:r>
-              <a:rPr lang="fr-FR" dirty="0" err="1" smtClean="0"/>
+              <a:rPr lang="fr-FR" dirty="0" err="1"/>
               <a:t>print</a:t>
             </a:r>
             <a:r>
-              <a:rPr lang="fr-FR" dirty="0" smtClean="0"/>
+              <a:rPr lang="fr-FR" dirty="0"/>
               <a:t>()</a:t>
             </a:r>
           </a:p>
           <a:p>
             <a:r>
-              <a:rPr lang="fr-FR" dirty="0" smtClean="0"/>
+              <a:rPr lang="fr-FR" dirty="0"/>
               <a:t>Si __</a:t>
             </a:r>
             <a:r>
-              <a:rPr lang="fr-FR" dirty="0" err="1" smtClean="0"/>
+              <a:rPr lang="fr-FR" dirty="0" err="1"/>
               <a:t>str</a:t>
             </a:r>
             <a:r>
-              <a:rPr lang="fr-FR" dirty="0" smtClean="0"/>
+              <a:rPr lang="fr-FR" dirty="0"/>
               <a:t>__ n’est pas défini, c’est __</a:t>
             </a:r>
             <a:r>
-              <a:rPr lang="fr-FR" dirty="0" err="1" smtClean="0"/>
+              <a:rPr lang="fr-FR" dirty="0" err="1"/>
               <a:t>repr</a:t>
             </a:r>
             <a:r>
-              <a:rPr lang="fr-FR" dirty="0" smtClean="0"/>
+              <a:rPr lang="fr-FR" dirty="0"/>
               <a:t>__ qui est exécuté</a:t>
             </a:r>
           </a:p>
           <a:p>
             <a:r>
-              <a:rPr lang="fr-FR" dirty="0" smtClean="0"/>
+              <a:rPr lang="fr-FR" dirty="0"/>
               <a:t>Egalement utilisé pour la conversion en string</a:t>
             </a:r>
           </a:p>
@@ -12204,10 +12282,9 @@
           <a:lstStyle/>
           <a:p>
             <a:r>
-              <a:rPr lang="fr-FR" dirty="0" smtClean="0"/>
+              <a:rPr lang="fr-FR" dirty="0"/>
               <a:t>Héritage de constructeur</a:t>
             </a:r>
-            <a:endParaRPr lang="fr-FR" dirty="0"/>
           </a:p>
         </p:txBody>
       </p:sp>
@@ -12227,21 +12304,21 @@
           <a:lstStyle/>
           <a:p>
             <a:r>
-              <a:rPr lang="fr-FR" dirty="0" smtClean="0"/>
+              <a:rPr lang="fr-FR" dirty="0"/>
               <a:t>Pour pouvoir accéder aux données des super classes il faut appeler le constructeur de la classe de base</a:t>
             </a:r>
           </a:p>
           <a:p>
             <a:pPr lvl="1"/>
             <a:r>
-              <a:rPr lang="fr-FR" dirty="0" smtClean="0"/>
+              <a:rPr lang="fr-FR" dirty="0"/>
               <a:t>N’est pas implicite comme Java et C#</a:t>
             </a:r>
           </a:p>
           <a:p>
             <a:pPr lvl="1"/>
             <a:r>
-              <a:rPr lang="fr-FR" dirty="0" smtClean="0"/>
+              <a:rPr lang="fr-FR" dirty="0"/>
               <a:t>Quasi obligatoire</a:t>
             </a:r>
           </a:p>
@@ -12287,13 +12364,6 @@
   <p:clrMapOvr>
     <a:masterClrMapping/>
   </p:clrMapOvr>
-  <p:timing>
-    <p:tnLst>
-      <p:par>
-        <p:cTn id="1" dur="indefinite" restart="never" nodeType="tmRoot"/>
-      </p:par>
-    </p:tnLst>
-  </p:timing>
 </p:sld>
 </file>
 
@@ -12330,10 +12400,9 @@
           <a:lstStyle/>
           <a:p>
             <a:r>
-              <a:rPr lang="fr-FR" dirty="0" smtClean="0"/>
+              <a:rPr lang="fr-FR" dirty="0"/>
               <a:t>Super</a:t>
             </a:r>
-            <a:endParaRPr lang="fr-FR" dirty="0"/>
           </a:p>
         </p:txBody>
       </p:sp>
@@ -12353,14 +12422,14 @@
           <a:lstStyle/>
           <a:p>
             <a:r>
-              <a:rPr lang="fr-FR" dirty="0" smtClean="0"/>
+              <a:rPr lang="fr-FR" dirty="0"/>
               <a:t>Super est un raccourcis pour rappeler la super classe</a:t>
             </a:r>
           </a:p>
           <a:p>
             <a:pPr lvl="1"/>
             <a:r>
-              <a:rPr lang="fr-FR" dirty="0" smtClean="0"/>
+              <a:rPr lang="fr-FR" dirty="0"/>
               <a:t>Le self est alors implicite</a:t>
             </a:r>
           </a:p>
@@ -12368,18 +12437,14 @@
             <a:pPr lvl="1"/>
             <a:r>
               <a:rPr lang="fr-FR"/>
-              <a:t>s</a:t>
-            </a:r>
-            <a:r>
-              <a:rPr lang="fr-FR" smtClean="0"/>
-              <a:t>uper().__</a:t>
-            </a:r>
-            <a:r>
-              <a:rPr lang="fr-FR" dirty="0" err="1" smtClean="0"/>
+              <a:t>super().__</a:t>
+            </a:r>
+            <a:r>
+              <a:rPr lang="fr-FR" dirty="0" err="1"/>
               <a:t>init</a:t>
             </a:r>
             <a:r>
-              <a:rPr lang="fr-FR" dirty="0" smtClean="0"/>
+              <a:rPr lang="fr-FR" dirty="0"/>
               <a:t>__(nom)</a:t>
             </a:r>
           </a:p>
